--- a/_site/resources/FacultyHack24-Poster_Template.pptx
+++ b/_site/resources/FacultyHack24-Poster_Template.pptx
@@ -10,7 +10,7 @@
   <p:sldIdLst>
     <p:sldId id="256" r:id="rId5"/>
   </p:sldIdLst>
-  <p:sldSz cy="21945600" cx="32918400"/>
+  <p:sldSz cy="32918400" cx="21945600"/>
   <p:notesSz cx="6858000" cy="9144000"/>
   <p:embeddedFontLst>
     <p:embeddedFont>
@@ -285,8 +285,8 @@
         </p:nvSpPr>
         <p:spPr>
           <a:xfrm>
-            <a:off x="1143225" y="685800"/>
-            <a:ext cx="4572225" cy="3429000"/>
+            <a:off x="2413288" y="685800"/>
+            <a:ext cx="2032200" cy="3429000"/>
           </a:xfrm>
           <a:custGeom>
             <a:rect b="b" l="l" r="r" t="t"/>
@@ -893,8 +893,8 @@
         </p:nvSpPr>
         <p:spPr>
           <a:xfrm>
-            <a:off x="1143225" y="685800"/>
-            <a:ext cx="4572225" cy="3429000"/>
+            <a:off x="2413288" y="685800"/>
+            <a:ext cx="2032200" cy="3429000"/>
           </a:xfrm>
           <a:custGeom>
             <a:rect b="b" l="l" r="r" t="t"/>
@@ -963,8 +963,8 @@
         </p:nvSpPr>
         <p:spPr>
           <a:xfrm>
-            <a:off x="2468880" y="3591562"/>
-            <a:ext cx="27980640" cy="7640320"/>
+            <a:off x="1645920" y="5387343"/>
+            <a:ext cx="18653700" cy="11460600"/>
           </a:xfrm>
           <a:prstGeom prst="rect">
             <a:avLst/>
@@ -1123,8 +1123,8 @@
         </p:nvSpPr>
         <p:spPr>
           <a:xfrm>
-            <a:off x="4114800" y="11526522"/>
-            <a:ext cx="24688800" cy="5298438"/>
+            <a:off x="2743200" y="17289783"/>
+            <a:ext cx="16459200" cy="7947600"/>
           </a:xfrm>
           <a:prstGeom prst="rect">
             <a:avLst/>
@@ -1306,8 +1306,8 @@
         </p:nvSpPr>
         <p:spPr>
           <a:xfrm>
-            <a:off x="2263140" y="20340325"/>
-            <a:ext cx="7406640" cy="1168400"/>
+            <a:off x="1508760" y="30510488"/>
+            <a:ext cx="4937700" cy="1752600"/>
           </a:xfrm>
           <a:prstGeom prst="rect">
             <a:avLst/>
@@ -1462,8 +1462,8 @@
         </p:nvSpPr>
         <p:spPr>
           <a:xfrm>
-            <a:off x="10904220" y="20340325"/>
-            <a:ext cx="11109960" cy="1168400"/>
+            <a:off x="7269480" y="30510488"/>
+            <a:ext cx="7406700" cy="1752600"/>
           </a:xfrm>
           <a:prstGeom prst="rect">
             <a:avLst/>
@@ -1618,8 +1618,8 @@
         </p:nvSpPr>
         <p:spPr>
           <a:xfrm>
-            <a:off x="23248620" y="20340325"/>
-            <a:ext cx="7406640" cy="1168400"/>
+            <a:off x="15499080" y="30510488"/>
+            <a:ext cx="4937700" cy="1752600"/>
           </a:xfrm>
           <a:prstGeom prst="rect">
             <a:avLst/>
@@ -1922,8 +1922,8 @@
         </p:nvSpPr>
         <p:spPr>
           <a:xfrm>
-            <a:off x="2263140" y="1168405"/>
-            <a:ext cx="28392120" cy="4241802"/>
+            <a:off x="1508760" y="1752607"/>
+            <a:ext cx="18928200" cy="6362700"/>
           </a:xfrm>
           <a:prstGeom prst="rect">
             <a:avLst/>
@@ -2081,8 +2081,8 @@
         </p:nvSpPr>
         <p:spPr>
           <a:xfrm rot="5400000">
-            <a:off x="9497059" y="-1391919"/>
-            <a:ext cx="13924282" cy="28392120"/>
+            <a:off x="529590" y="9742050"/>
+            <a:ext cx="20886300" cy="18928200"/>
           </a:xfrm>
           <a:prstGeom prst="rect">
             <a:avLst/>
@@ -2264,8 +2264,8 @@
         </p:nvSpPr>
         <p:spPr>
           <a:xfrm>
-            <a:off x="2263140" y="20340325"/>
-            <a:ext cx="7406640" cy="1168400"/>
+            <a:off x="1508760" y="30510488"/>
+            <a:ext cx="4937700" cy="1752600"/>
           </a:xfrm>
           <a:prstGeom prst="rect">
             <a:avLst/>
@@ -2420,8 +2420,8 @@
         </p:nvSpPr>
         <p:spPr>
           <a:xfrm>
-            <a:off x="10904220" y="20340325"/>
-            <a:ext cx="11109960" cy="1168400"/>
+            <a:off x="7269480" y="30510488"/>
+            <a:ext cx="7406700" cy="1752600"/>
           </a:xfrm>
           <a:prstGeom prst="rect">
             <a:avLst/>
@@ -2576,8 +2576,8 @@
         </p:nvSpPr>
         <p:spPr>
           <a:xfrm>
-            <a:off x="23248620" y="20340325"/>
-            <a:ext cx="7406640" cy="1168400"/>
+            <a:off x="15499080" y="30510488"/>
+            <a:ext cx="4937700" cy="1752600"/>
           </a:xfrm>
           <a:prstGeom prst="rect">
             <a:avLst/>
@@ -2880,8 +2880,8 @@
         </p:nvSpPr>
         <p:spPr>
           <a:xfrm rot="5400000">
-            <a:off x="17807306" y="6918326"/>
-            <a:ext cx="18597882" cy="7098030"/>
+            <a:off x="4122541" y="13335000"/>
+            <a:ext cx="27896700" cy="4731900"/>
           </a:xfrm>
           <a:prstGeom prst="rect">
             <a:avLst/>
@@ -3039,8 +3039,8 @@
         </p:nvSpPr>
         <p:spPr>
           <a:xfrm rot="5400000">
-            <a:off x="3405506" y="26036"/>
-            <a:ext cx="18597882" cy="20882610"/>
+            <a:off x="-5478749" y="8740050"/>
+            <a:ext cx="27896700" cy="13921800"/>
           </a:xfrm>
           <a:prstGeom prst="rect">
             <a:avLst/>
@@ -3222,8 +3222,8 @@
         </p:nvSpPr>
         <p:spPr>
           <a:xfrm>
-            <a:off x="2263140" y="20340325"/>
-            <a:ext cx="7406640" cy="1168400"/>
+            <a:off x="1508760" y="30510488"/>
+            <a:ext cx="4937700" cy="1752600"/>
           </a:xfrm>
           <a:prstGeom prst="rect">
             <a:avLst/>
@@ -3378,8 +3378,8 @@
         </p:nvSpPr>
         <p:spPr>
           <a:xfrm>
-            <a:off x="10904220" y="20340325"/>
-            <a:ext cx="11109960" cy="1168400"/>
+            <a:off x="7269480" y="30510488"/>
+            <a:ext cx="7406700" cy="1752600"/>
           </a:xfrm>
           <a:prstGeom prst="rect">
             <a:avLst/>
@@ -3534,8 +3534,8 @@
         </p:nvSpPr>
         <p:spPr>
           <a:xfrm>
-            <a:off x="23248620" y="20340325"/>
-            <a:ext cx="7406640" cy="1168400"/>
+            <a:off x="15499080" y="30510488"/>
+            <a:ext cx="4937700" cy="1752600"/>
           </a:xfrm>
           <a:prstGeom prst="rect">
             <a:avLst/>
@@ -3838,8 +3838,8 @@
         </p:nvSpPr>
         <p:spPr>
           <a:xfrm>
-            <a:off x="2263140" y="1168405"/>
-            <a:ext cx="28392120" cy="4241802"/>
+            <a:off x="1508760" y="1752607"/>
+            <a:ext cx="18928200" cy="6362700"/>
           </a:xfrm>
           <a:prstGeom prst="rect">
             <a:avLst/>
@@ -3997,8 +3997,8 @@
         </p:nvSpPr>
         <p:spPr>
           <a:xfrm>
-            <a:off x="2263140" y="5842000"/>
-            <a:ext cx="28392120" cy="13924282"/>
+            <a:off x="1508760" y="8763000"/>
+            <a:ext cx="18928200" cy="20886300"/>
           </a:xfrm>
           <a:prstGeom prst="rect">
             <a:avLst/>
@@ -4180,8 +4180,8 @@
         </p:nvSpPr>
         <p:spPr>
           <a:xfrm>
-            <a:off x="2263140" y="20340325"/>
-            <a:ext cx="7406640" cy="1168400"/>
+            <a:off x="1508760" y="30510488"/>
+            <a:ext cx="4937700" cy="1752600"/>
           </a:xfrm>
           <a:prstGeom prst="rect">
             <a:avLst/>
@@ -4336,8 +4336,8 @@
         </p:nvSpPr>
         <p:spPr>
           <a:xfrm>
-            <a:off x="10904220" y="20340325"/>
-            <a:ext cx="11109960" cy="1168400"/>
+            <a:off x="7269480" y="30510488"/>
+            <a:ext cx="7406700" cy="1752600"/>
           </a:xfrm>
           <a:prstGeom prst="rect">
             <a:avLst/>
@@ -4492,8 +4492,8 @@
         </p:nvSpPr>
         <p:spPr>
           <a:xfrm>
-            <a:off x="23248620" y="20340325"/>
-            <a:ext cx="7406640" cy="1168400"/>
+            <a:off x="15499080" y="30510488"/>
+            <a:ext cx="4937700" cy="1752600"/>
           </a:xfrm>
           <a:prstGeom prst="rect">
             <a:avLst/>
@@ -4796,8 +4796,8 @@
         </p:nvSpPr>
         <p:spPr>
           <a:xfrm>
-            <a:off x="2245997" y="5471167"/>
-            <a:ext cx="28392120" cy="9128758"/>
+            <a:off x="1497331" y="8206751"/>
+            <a:ext cx="18928200" cy="13693200"/>
           </a:xfrm>
           <a:prstGeom prst="rect">
             <a:avLst/>
@@ -4956,8 +4956,8 @@
         </p:nvSpPr>
         <p:spPr>
           <a:xfrm>
-            <a:off x="2245997" y="14686287"/>
-            <a:ext cx="28392120" cy="4800598"/>
+            <a:off x="1497331" y="22029431"/>
+            <a:ext cx="18928200" cy="7200900"/>
           </a:xfrm>
           <a:prstGeom prst="rect">
             <a:avLst/>
@@ -5175,8 +5175,8 @@
         </p:nvSpPr>
         <p:spPr>
           <a:xfrm>
-            <a:off x="2263140" y="20340325"/>
-            <a:ext cx="7406640" cy="1168400"/>
+            <a:off x="1508760" y="30510488"/>
+            <a:ext cx="4937700" cy="1752600"/>
           </a:xfrm>
           <a:prstGeom prst="rect">
             <a:avLst/>
@@ -5331,8 +5331,8 @@
         </p:nvSpPr>
         <p:spPr>
           <a:xfrm>
-            <a:off x="10904220" y="20340325"/>
-            <a:ext cx="11109960" cy="1168400"/>
+            <a:off x="7269480" y="30510488"/>
+            <a:ext cx="7406700" cy="1752600"/>
           </a:xfrm>
           <a:prstGeom prst="rect">
             <a:avLst/>
@@ -5487,8 +5487,8 @@
         </p:nvSpPr>
         <p:spPr>
           <a:xfrm>
-            <a:off x="23248620" y="20340325"/>
-            <a:ext cx="7406640" cy="1168400"/>
+            <a:off x="15499080" y="30510488"/>
+            <a:ext cx="4937700" cy="1752600"/>
           </a:xfrm>
           <a:prstGeom prst="rect">
             <a:avLst/>
@@ -5791,8 +5791,8 @@
         </p:nvSpPr>
         <p:spPr>
           <a:xfrm>
-            <a:off x="2263140" y="1168405"/>
-            <a:ext cx="28392120" cy="4241802"/>
+            <a:off x="1508760" y="1752607"/>
+            <a:ext cx="18928200" cy="6362700"/>
           </a:xfrm>
           <a:prstGeom prst="rect">
             <a:avLst/>
@@ -5950,8 +5950,8 @@
         </p:nvSpPr>
         <p:spPr>
           <a:xfrm>
-            <a:off x="2263140" y="5842000"/>
-            <a:ext cx="13990320" cy="13924282"/>
+            <a:off x="1508760" y="8763000"/>
+            <a:ext cx="9327000" cy="20886300"/>
           </a:xfrm>
           <a:prstGeom prst="rect">
             <a:avLst/>
@@ -6133,8 +6133,8 @@
         </p:nvSpPr>
         <p:spPr>
           <a:xfrm>
-            <a:off x="16664940" y="5842000"/>
-            <a:ext cx="13990320" cy="13924282"/>
+            <a:off x="11109960" y="8763000"/>
+            <a:ext cx="9327000" cy="20886300"/>
           </a:xfrm>
           <a:prstGeom prst="rect">
             <a:avLst/>
@@ -6316,8 +6316,8 @@
         </p:nvSpPr>
         <p:spPr>
           <a:xfrm>
-            <a:off x="2263140" y="20340325"/>
-            <a:ext cx="7406640" cy="1168400"/>
+            <a:off x="1508760" y="30510488"/>
+            <a:ext cx="4937700" cy="1752600"/>
           </a:xfrm>
           <a:prstGeom prst="rect">
             <a:avLst/>
@@ -6472,8 +6472,8 @@
         </p:nvSpPr>
         <p:spPr>
           <a:xfrm>
-            <a:off x="10904220" y="20340325"/>
-            <a:ext cx="11109960" cy="1168400"/>
+            <a:off x="7269480" y="30510488"/>
+            <a:ext cx="7406700" cy="1752600"/>
           </a:xfrm>
           <a:prstGeom prst="rect">
             <a:avLst/>
@@ -6628,8 +6628,8 @@
         </p:nvSpPr>
         <p:spPr>
           <a:xfrm>
-            <a:off x="23248620" y="20340325"/>
-            <a:ext cx="7406640" cy="1168400"/>
+            <a:off x="15499080" y="30510488"/>
+            <a:ext cx="4937700" cy="1752600"/>
           </a:xfrm>
           <a:prstGeom prst="rect">
             <a:avLst/>
@@ -6932,8 +6932,8 @@
         </p:nvSpPr>
         <p:spPr>
           <a:xfrm>
-            <a:off x="2267428" y="1168405"/>
-            <a:ext cx="28392120" cy="4241802"/>
+            <a:off x="1511619" y="1752607"/>
+            <a:ext cx="18928200" cy="6362700"/>
           </a:xfrm>
           <a:prstGeom prst="rect">
             <a:avLst/>
@@ -7091,8 +7091,8 @@
         </p:nvSpPr>
         <p:spPr>
           <a:xfrm>
-            <a:off x="2267431" y="5379722"/>
-            <a:ext cx="13926024" cy="2636518"/>
+            <a:off x="1511621" y="8069583"/>
+            <a:ext cx="9284100" cy="3954900"/>
           </a:xfrm>
           <a:prstGeom prst="rect">
             <a:avLst/>
@@ -7274,8 +7274,8 @@
         </p:nvSpPr>
         <p:spPr>
           <a:xfrm>
-            <a:off x="2267431" y="8016240"/>
-            <a:ext cx="13926024" cy="11790682"/>
+            <a:off x="1511621" y="12024360"/>
+            <a:ext cx="9284100" cy="17685900"/>
           </a:xfrm>
           <a:prstGeom prst="rect">
             <a:avLst/>
@@ -7457,8 +7457,8 @@
         </p:nvSpPr>
         <p:spPr>
           <a:xfrm>
-            <a:off x="16664942" y="5379722"/>
-            <a:ext cx="13994608" cy="2636518"/>
+            <a:off x="11109961" y="8069583"/>
+            <a:ext cx="9329700" cy="3954900"/>
           </a:xfrm>
           <a:prstGeom prst="rect">
             <a:avLst/>
@@ -7640,8 +7640,8 @@
         </p:nvSpPr>
         <p:spPr>
           <a:xfrm>
-            <a:off x="16664942" y="8016240"/>
-            <a:ext cx="13994608" cy="11790682"/>
+            <a:off x="11109961" y="12024360"/>
+            <a:ext cx="9329700" cy="17685900"/>
           </a:xfrm>
           <a:prstGeom prst="rect">
             <a:avLst/>
@@ -7823,8 +7823,8 @@
         </p:nvSpPr>
         <p:spPr>
           <a:xfrm>
-            <a:off x="2263140" y="20340325"/>
-            <a:ext cx="7406640" cy="1168400"/>
+            <a:off x="1508760" y="30510488"/>
+            <a:ext cx="4937700" cy="1752600"/>
           </a:xfrm>
           <a:prstGeom prst="rect">
             <a:avLst/>
@@ -7979,8 +7979,8 @@
         </p:nvSpPr>
         <p:spPr>
           <a:xfrm>
-            <a:off x="10904220" y="20340325"/>
-            <a:ext cx="11109960" cy="1168400"/>
+            <a:off x="7269480" y="30510488"/>
+            <a:ext cx="7406700" cy="1752600"/>
           </a:xfrm>
           <a:prstGeom prst="rect">
             <a:avLst/>
@@ -8135,8 +8135,8 @@
         </p:nvSpPr>
         <p:spPr>
           <a:xfrm>
-            <a:off x="23248620" y="20340325"/>
-            <a:ext cx="7406640" cy="1168400"/>
+            <a:off x="15499080" y="30510488"/>
+            <a:ext cx="4937700" cy="1752600"/>
           </a:xfrm>
           <a:prstGeom prst="rect">
             <a:avLst/>
@@ -8439,8 +8439,8 @@
         </p:nvSpPr>
         <p:spPr>
           <a:xfrm>
-            <a:off x="2263140" y="1168405"/>
-            <a:ext cx="28392120" cy="4241802"/>
+            <a:off x="1508760" y="1752607"/>
+            <a:ext cx="18928200" cy="6362700"/>
           </a:xfrm>
           <a:prstGeom prst="rect">
             <a:avLst/>
@@ -8598,8 +8598,8 @@
         </p:nvSpPr>
         <p:spPr>
           <a:xfrm>
-            <a:off x="2263140" y="20340325"/>
-            <a:ext cx="7406640" cy="1168400"/>
+            <a:off x="1508760" y="30510488"/>
+            <a:ext cx="4937700" cy="1752600"/>
           </a:xfrm>
           <a:prstGeom prst="rect">
             <a:avLst/>
@@ -8754,8 +8754,8 @@
         </p:nvSpPr>
         <p:spPr>
           <a:xfrm>
-            <a:off x="10904220" y="20340325"/>
-            <a:ext cx="11109960" cy="1168400"/>
+            <a:off x="7269480" y="30510488"/>
+            <a:ext cx="7406700" cy="1752600"/>
           </a:xfrm>
           <a:prstGeom prst="rect">
             <a:avLst/>
@@ -8910,8 +8910,8 @@
         </p:nvSpPr>
         <p:spPr>
           <a:xfrm>
-            <a:off x="23248620" y="20340325"/>
-            <a:ext cx="7406640" cy="1168400"/>
+            <a:off x="15499080" y="30510488"/>
+            <a:ext cx="4937700" cy="1752600"/>
           </a:xfrm>
           <a:prstGeom prst="rect">
             <a:avLst/>
@@ -9214,8 +9214,8 @@
         </p:nvSpPr>
         <p:spPr>
           <a:xfrm>
-            <a:off x="2263140" y="20340325"/>
-            <a:ext cx="7406640" cy="1168400"/>
+            <a:off x="1508760" y="30510488"/>
+            <a:ext cx="4937700" cy="1752600"/>
           </a:xfrm>
           <a:prstGeom prst="rect">
             <a:avLst/>
@@ -9370,8 +9370,8 @@
         </p:nvSpPr>
         <p:spPr>
           <a:xfrm>
-            <a:off x="10904220" y="20340325"/>
-            <a:ext cx="11109960" cy="1168400"/>
+            <a:off x="7269480" y="30510488"/>
+            <a:ext cx="7406700" cy="1752600"/>
           </a:xfrm>
           <a:prstGeom prst="rect">
             <a:avLst/>
@@ -9526,8 +9526,8 @@
         </p:nvSpPr>
         <p:spPr>
           <a:xfrm>
-            <a:off x="23248620" y="20340325"/>
-            <a:ext cx="7406640" cy="1168400"/>
+            <a:off x="15499080" y="30510488"/>
+            <a:ext cx="4937700" cy="1752600"/>
           </a:xfrm>
           <a:prstGeom prst="rect">
             <a:avLst/>
@@ -9830,8 +9830,8 @@
         </p:nvSpPr>
         <p:spPr>
           <a:xfrm>
-            <a:off x="2267428" y="1463040"/>
-            <a:ext cx="10617041" cy="5120640"/>
+            <a:off x="1511619" y="2194560"/>
+            <a:ext cx="7077900" cy="7680900"/>
           </a:xfrm>
           <a:prstGeom prst="rect">
             <a:avLst/>
@@ -9990,8 +9990,8 @@
         </p:nvSpPr>
         <p:spPr>
           <a:xfrm>
-            <a:off x="13994608" y="3159765"/>
-            <a:ext cx="16664940" cy="15595600"/>
+            <a:off x="9329739" y="4739648"/>
+            <a:ext cx="11109900" cy="23393400"/>
           </a:xfrm>
           <a:prstGeom prst="rect">
             <a:avLst/>
@@ -10173,8 +10173,8 @@
         </p:nvSpPr>
         <p:spPr>
           <a:xfrm>
-            <a:off x="2267428" y="6583680"/>
-            <a:ext cx="10617041" cy="12197082"/>
+            <a:off x="1511619" y="9875520"/>
+            <a:ext cx="7077900" cy="18295500"/>
           </a:xfrm>
           <a:prstGeom prst="rect">
             <a:avLst/>
@@ -10356,8 +10356,8 @@
         </p:nvSpPr>
         <p:spPr>
           <a:xfrm>
-            <a:off x="2263140" y="20340325"/>
-            <a:ext cx="7406640" cy="1168400"/>
+            <a:off x="1508760" y="30510488"/>
+            <a:ext cx="4937700" cy="1752600"/>
           </a:xfrm>
           <a:prstGeom prst="rect">
             <a:avLst/>
@@ -10512,8 +10512,8 @@
         </p:nvSpPr>
         <p:spPr>
           <a:xfrm>
-            <a:off x="10904220" y="20340325"/>
-            <a:ext cx="11109960" cy="1168400"/>
+            <a:off x="7269480" y="30510488"/>
+            <a:ext cx="7406700" cy="1752600"/>
           </a:xfrm>
           <a:prstGeom prst="rect">
             <a:avLst/>
@@ -10668,8 +10668,8 @@
         </p:nvSpPr>
         <p:spPr>
           <a:xfrm>
-            <a:off x="23248620" y="20340325"/>
-            <a:ext cx="7406640" cy="1168400"/>
+            <a:off x="15499080" y="30510488"/>
+            <a:ext cx="4937700" cy="1752600"/>
           </a:xfrm>
           <a:prstGeom prst="rect">
             <a:avLst/>
@@ -10972,8 +10972,8 @@
         </p:nvSpPr>
         <p:spPr>
           <a:xfrm>
-            <a:off x="2267428" y="1463040"/>
-            <a:ext cx="10617041" cy="5120640"/>
+            <a:off x="1511619" y="2194560"/>
+            <a:ext cx="7077900" cy="7680900"/>
           </a:xfrm>
           <a:prstGeom prst="rect">
             <a:avLst/>
@@ -11132,8 +11132,8 @@
         </p:nvSpPr>
         <p:spPr>
           <a:xfrm>
-            <a:off x="13994608" y="3159765"/>
-            <a:ext cx="16664940" cy="15595600"/>
+            <a:off x="9329739" y="4739648"/>
+            <a:ext cx="11109900" cy="23393400"/>
           </a:xfrm>
           <a:prstGeom prst="rect">
             <a:avLst/>
@@ -11154,8 +11154,8 @@
         </p:nvSpPr>
         <p:spPr>
           <a:xfrm>
-            <a:off x="2267428" y="6583680"/>
-            <a:ext cx="10617041" cy="12197082"/>
+            <a:off x="1511619" y="9875520"/>
+            <a:ext cx="7077900" cy="18295500"/>
           </a:xfrm>
           <a:prstGeom prst="rect">
             <a:avLst/>
@@ -11337,8 +11337,8 @@
         </p:nvSpPr>
         <p:spPr>
           <a:xfrm>
-            <a:off x="2263140" y="20340325"/>
-            <a:ext cx="7406640" cy="1168400"/>
+            <a:off x="1508760" y="30510488"/>
+            <a:ext cx="4937700" cy="1752600"/>
           </a:xfrm>
           <a:prstGeom prst="rect">
             <a:avLst/>
@@ -11493,8 +11493,8 @@
         </p:nvSpPr>
         <p:spPr>
           <a:xfrm>
-            <a:off x="10904220" y="20340325"/>
-            <a:ext cx="11109960" cy="1168400"/>
+            <a:off x="7269480" y="30510488"/>
+            <a:ext cx="7406700" cy="1752600"/>
           </a:xfrm>
           <a:prstGeom prst="rect">
             <a:avLst/>
@@ -11649,8 +11649,8 @@
         </p:nvSpPr>
         <p:spPr>
           <a:xfrm>
-            <a:off x="23248620" y="20340325"/>
-            <a:ext cx="7406640" cy="1168400"/>
+            <a:off x="15499080" y="30510488"/>
+            <a:ext cx="4937700" cy="1752600"/>
           </a:xfrm>
           <a:prstGeom prst="rect">
             <a:avLst/>
@@ -11960,8 +11960,8 @@
         </p:nvSpPr>
         <p:spPr>
           <a:xfrm>
-            <a:off x="2263140" y="1168405"/>
-            <a:ext cx="28392120" cy="4241802"/>
+            <a:off x="1508760" y="1752607"/>
+            <a:ext cx="18928200" cy="6362700"/>
           </a:xfrm>
           <a:prstGeom prst="rect">
             <a:avLst/>
@@ -12224,8 +12224,8 @@
         </p:nvSpPr>
         <p:spPr>
           <a:xfrm>
-            <a:off x="2263140" y="5842000"/>
-            <a:ext cx="28392120" cy="13924282"/>
+            <a:off x="1508760" y="8763000"/>
+            <a:ext cx="18928200" cy="20886300"/>
           </a:xfrm>
           <a:prstGeom prst="rect">
             <a:avLst/>
@@ -12488,8 +12488,8 @@
         </p:nvSpPr>
         <p:spPr>
           <a:xfrm>
-            <a:off x="2263140" y="20340325"/>
-            <a:ext cx="7406640" cy="1168400"/>
+            <a:off x="1508760" y="30510488"/>
+            <a:ext cx="4937700" cy="1752600"/>
           </a:xfrm>
           <a:prstGeom prst="rect">
             <a:avLst/>
@@ -12752,8 +12752,8 @@
         </p:nvSpPr>
         <p:spPr>
           <a:xfrm>
-            <a:off x="10904220" y="20340325"/>
-            <a:ext cx="11109960" cy="1168400"/>
+            <a:off x="7269480" y="30510488"/>
+            <a:ext cx="7406700" cy="1752600"/>
           </a:xfrm>
           <a:prstGeom prst="rect">
             <a:avLst/>
@@ -13016,8 +13016,8 @@
         </p:nvSpPr>
         <p:spPr>
           <a:xfrm>
-            <a:off x="23248620" y="20340325"/>
-            <a:ext cx="7406640" cy="1168400"/>
+            <a:off x="15499080" y="30510488"/>
+            <a:ext cx="4937700" cy="1752600"/>
           </a:xfrm>
           <a:prstGeom prst="rect">
             <a:avLst/>
@@ -14026,8 +14026,8 @@
         </p:blipFill>
         <p:spPr>
           <a:xfrm>
-            <a:off x="-88625" y="21302907"/>
-            <a:ext cx="33007027" cy="640200"/>
+            <a:off x="-59083" y="31954361"/>
+            <a:ext cx="22004683" cy="960300"/>
           </a:xfrm>
           <a:prstGeom prst="rect">
             <a:avLst/>
@@ -14054,8 +14054,8 @@
         </p:blipFill>
         <p:spPr>
           <a:xfrm>
-            <a:off x="0" y="-36125"/>
-            <a:ext cx="32918400" cy="1874400"/>
+            <a:off x="0" y="-54187"/>
+            <a:ext cx="21945600" cy="2811600"/>
           </a:xfrm>
           <a:prstGeom prst="rect">
             <a:avLst/>
@@ -14074,8 +14074,8 @@
         </p:nvSpPr>
         <p:spPr>
           <a:xfrm>
-            <a:off x="16971815" y="11446421"/>
-            <a:ext cx="7315200" cy="3077766"/>
+            <a:off x="11314543" y="17169632"/>
+            <a:ext cx="4876800" cy="3078300"/>
           </a:xfrm>
           <a:prstGeom prst="rect">
             <a:avLst/>
@@ -14340,8 +14340,8 @@
         </p:nvSpPr>
         <p:spPr>
           <a:xfrm>
-            <a:off x="16971815" y="2785653"/>
-            <a:ext cx="7315200" cy="8294578"/>
+            <a:off x="11314543" y="4178480"/>
+            <a:ext cx="4876800" cy="11328900"/>
           </a:xfrm>
           <a:prstGeom prst="rect">
             <a:avLst/>
@@ -14446,8 +14446,8 @@
         </p:nvSpPr>
         <p:spPr>
           <a:xfrm>
-            <a:off x="290920" y="2855828"/>
-            <a:ext cx="7315200" cy="7634700"/>
+            <a:off x="193947" y="4283742"/>
+            <a:ext cx="4876800" cy="11328900"/>
           </a:xfrm>
           <a:prstGeom prst="rect">
             <a:avLst/>
@@ -14552,8 +14552,8 @@
         </p:nvSpPr>
         <p:spPr>
           <a:xfrm>
-            <a:off x="290920" y="2216996"/>
-            <a:ext cx="7315200" cy="640200"/>
+            <a:off x="193947" y="3325494"/>
+            <a:ext cx="4876800" cy="960300"/>
           </a:xfrm>
           <a:prstGeom prst="rect">
             <a:avLst/>
@@ -14620,8 +14620,8 @@
         </p:nvSpPr>
         <p:spPr>
           <a:xfrm>
-            <a:off x="290945" y="11392540"/>
-            <a:ext cx="7315200" cy="640080"/>
+            <a:off x="193963" y="17088810"/>
+            <a:ext cx="4876800" cy="960000"/>
           </a:xfrm>
           <a:prstGeom prst="rect">
             <a:avLst/>
@@ -14688,8 +14688,8 @@
         </p:nvSpPr>
         <p:spPr>
           <a:xfrm>
-            <a:off x="8631380" y="2132948"/>
-            <a:ext cx="7315200" cy="640080"/>
+            <a:off x="5754253" y="3199422"/>
+            <a:ext cx="4876800" cy="960000"/>
           </a:xfrm>
           <a:prstGeom prst="rect">
             <a:avLst/>
@@ -14756,8 +14756,8 @@
         </p:nvSpPr>
         <p:spPr>
           <a:xfrm>
-            <a:off x="8631380" y="11379758"/>
-            <a:ext cx="7315200" cy="640080"/>
+            <a:off x="5754253" y="17069637"/>
+            <a:ext cx="4876800" cy="960000"/>
           </a:xfrm>
           <a:prstGeom prst="rect">
             <a:avLst/>
@@ -14824,8 +14824,8 @@
         </p:nvSpPr>
         <p:spPr>
           <a:xfrm>
-            <a:off x="16971815" y="2145573"/>
-            <a:ext cx="15270480" cy="640080"/>
+            <a:off x="11314543" y="3218360"/>
+            <a:ext cx="10180200" cy="960000"/>
           </a:xfrm>
           <a:prstGeom prst="rect">
             <a:avLst/>
@@ -14892,8 +14892,8 @@
         </p:nvSpPr>
         <p:spPr>
           <a:xfrm>
-            <a:off x="16971815" y="10972800"/>
-            <a:ext cx="7315200" cy="457200"/>
+            <a:off x="11314550" y="16184700"/>
+            <a:ext cx="4876800" cy="960300"/>
           </a:xfrm>
           <a:prstGeom prst="rect">
             <a:avLst/>
@@ -14960,8 +14960,8 @@
         </p:nvSpPr>
         <p:spPr>
           <a:xfrm>
-            <a:off x="16952420" y="15627240"/>
-            <a:ext cx="7315200" cy="457200"/>
+            <a:off x="11301613" y="23440860"/>
+            <a:ext cx="4876800" cy="685800"/>
           </a:xfrm>
           <a:prstGeom prst="rect">
             <a:avLst/>
@@ -15028,8 +15028,8 @@
         </p:nvSpPr>
         <p:spPr>
           <a:xfrm>
-            <a:off x="24904646" y="2860880"/>
-            <a:ext cx="7315200" cy="457200"/>
+            <a:off x="16603097" y="4291320"/>
+            <a:ext cx="4876800" cy="685800"/>
           </a:xfrm>
           <a:prstGeom prst="rect">
             <a:avLst/>
@@ -15096,8 +15096,8 @@
         </p:nvSpPr>
         <p:spPr>
           <a:xfrm>
-            <a:off x="24904646" y="7458823"/>
-            <a:ext cx="7315200" cy="457200"/>
+            <a:off x="16603097" y="11188235"/>
+            <a:ext cx="4876800" cy="685800"/>
           </a:xfrm>
           <a:prstGeom prst="rect">
             <a:avLst/>
@@ -15164,8 +15164,8 @@
         </p:nvSpPr>
         <p:spPr>
           <a:xfrm>
-            <a:off x="290945" y="12019838"/>
-            <a:ext cx="7315200" cy="8371523"/>
+            <a:off x="193963" y="18029757"/>
+            <a:ext cx="4876800" cy="11328900"/>
           </a:xfrm>
           <a:prstGeom prst="rect">
             <a:avLst/>
@@ -15270,8 +15270,8 @@
         </p:nvSpPr>
         <p:spPr>
           <a:xfrm>
-            <a:off x="8631380" y="2785653"/>
-            <a:ext cx="7315200" cy="8371523"/>
+            <a:off x="5754253" y="4178480"/>
+            <a:ext cx="4876800" cy="11328900"/>
           </a:xfrm>
           <a:prstGeom prst="rect">
             <a:avLst/>
@@ -15376,8 +15376,8 @@
         </p:nvSpPr>
         <p:spPr>
           <a:xfrm>
-            <a:off x="8631380" y="12019838"/>
-            <a:ext cx="7315200" cy="8371523"/>
+            <a:off x="5754253" y="18029757"/>
+            <a:ext cx="4876800" cy="11328900"/>
           </a:xfrm>
           <a:prstGeom prst="rect">
             <a:avLst/>
@@ -15482,8 +15482,8 @@
         </p:nvSpPr>
         <p:spPr>
           <a:xfrm>
-            <a:off x="16952420" y="16104625"/>
-            <a:ext cx="7315200" cy="3749040"/>
+            <a:off x="11301613" y="24156938"/>
+            <a:ext cx="4876800" cy="5633700"/>
           </a:xfrm>
           <a:prstGeom prst="rect">
             <a:avLst/>
@@ -15548,8 +15548,8 @@
         </p:nvSpPr>
         <p:spPr>
           <a:xfrm>
-            <a:off x="24885251" y="3338265"/>
-            <a:ext cx="7315200" cy="3077766"/>
+            <a:off x="16590167" y="5007397"/>
+            <a:ext cx="4876800" cy="3078300"/>
           </a:xfrm>
           <a:prstGeom prst="rect">
             <a:avLst/>
@@ -15814,8 +15814,8 @@
         </p:nvSpPr>
         <p:spPr>
           <a:xfrm>
-            <a:off x="24885251" y="7916023"/>
-            <a:ext cx="7315200" cy="3749040"/>
+            <a:off x="16590167" y="11874035"/>
+            <a:ext cx="4876800" cy="5633700"/>
           </a:xfrm>
           <a:prstGeom prst="rect">
             <a:avLst/>
@@ -15887,8 +15887,8 @@
         </p:blipFill>
         <p:spPr>
           <a:xfrm>
-            <a:off x="31054512" y="30819"/>
-            <a:ext cx="1463040" cy="1463040"/>
+            <a:off x="20703008" y="46228"/>
+            <a:ext cx="975360" cy="975360"/>
           </a:xfrm>
           <a:prstGeom prst="rect">
             <a:avLst/>
@@ -15907,8 +15907,8 @@
         </p:nvSpPr>
         <p:spPr>
           <a:xfrm>
-            <a:off x="30709811" y="1479012"/>
-            <a:ext cx="2152443" cy="307777"/>
+            <a:off x="20473207" y="2218518"/>
+            <a:ext cx="1434900" cy="523200"/>
           </a:xfrm>
           <a:prstGeom prst="rect">
             <a:avLst/>
@@ -15973,8 +15973,8 @@
         </p:nvSpPr>
         <p:spPr>
           <a:xfrm>
-            <a:off x="2766475" y="83575"/>
-            <a:ext cx="27208200" cy="1754700"/>
+            <a:off x="1844317" y="125363"/>
+            <a:ext cx="18138900" cy="2586000"/>
           </a:xfrm>
           <a:prstGeom prst="rect">
             <a:avLst/>
@@ -16039,8 +16039,8 @@
         </p:nvSpPr>
         <p:spPr>
           <a:xfrm>
-            <a:off x="26691602" y="13573335"/>
-            <a:ext cx="5508848" cy="1463039"/>
+            <a:off x="17794401" y="20360003"/>
+            <a:ext cx="3672600" cy="2194500"/>
           </a:xfrm>
           <a:prstGeom prst="rect">
             <a:avLst/>
@@ -16185,8 +16185,8 @@
         </p:nvSpPr>
         <p:spPr>
           <a:xfrm>
-            <a:off x="24885251" y="13573335"/>
-            <a:ext cx="1510280" cy="2286000"/>
+            <a:off x="16590167" y="20360003"/>
+            <a:ext cx="1006800" cy="3429000"/>
           </a:xfrm>
           <a:prstGeom prst="rect">
             <a:avLst/>
@@ -16299,8 +16299,8 @@
         </p:nvSpPr>
         <p:spPr>
           <a:xfrm>
-            <a:off x="24885251" y="16158053"/>
-            <a:ext cx="1507658" cy="2286000"/>
+            <a:off x="16590167" y="24237080"/>
+            <a:ext cx="1005000" cy="3429000"/>
           </a:xfrm>
           <a:prstGeom prst="rect">
             <a:avLst/>
@@ -16413,8 +16413,8 @@
         </p:nvSpPr>
         <p:spPr>
           <a:xfrm>
-            <a:off x="26691602" y="16158053"/>
-            <a:ext cx="5508848" cy="1463039"/>
+            <a:off x="17794401" y="24237080"/>
+            <a:ext cx="3672600" cy="2194500"/>
           </a:xfrm>
           <a:prstGeom prst="rect">
             <a:avLst/>
@@ -16559,8 +16559,8 @@
         </p:nvSpPr>
         <p:spPr>
           <a:xfrm>
-            <a:off x="26691602" y="18742771"/>
-            <a:ext cx="5508848" cy="1463039"/>
+            <a:off x="17794401" y="28114157"/>
+            <a:ext cx="3672600" cy="2194500"/>
           </a:xfrm>
           <a:prstGeom prst="rect">
             <a:avLst/>
@@ -16745,8 +16745,8 @@
         </p:nvSpPr>
         <p:spPr>
           <a:xfrm>
-            <a:off x="24885251" y="18742771"/>
-            <a:ext cx="1507658" cy="2286000"/>
+            <a:off x="16590167" y="28114157"/>
+            <a:ext cx="1005000" cy="3429000"/>
           </a:xfrm>
           <a:prstGeom prst="rect">
             <a:avLst/>
@@ -16859,8 +16859,8 @@
         </p:nvSpPr>
         <p:spPr>
           <a:xfrm>
-            <a:off x="24885251" y="12879202"/>
-            <a:ext cx="7315200" cy="457200"/>
+            <a:off x="16590167" y="19318803"/>
+            <a:ext cx="4876800" cy="685800"/>
           </a:xfrm>
           <a:prstGeom prst="rect">
             <a:avLst/>
@@ -16935,8 +16935,8 @@
         </p:blipFill>
         <p:spPr>
           <a:xfrm>
-            <a:off x="290925" y="143598"/>
-            <a:ext cx="2438455" cy="1463050"/>
+            <a:off x="193950" y="215398"/>
+            <a:ext cx="1625636" cy="975367"/>
           </a:xfrm>
           <a:prstGeom prst="rect">
             <a:avLst/>
@@ -16955,8 +16955,8 @@
         </p:nvSpPr>
         <p:spPr>
           <a:xfrm>
-            <a:off x="18557950" y="21327500"/>
-            <a:ext cx="13959600" cy="615600"/>
+            <a:off x="12371967" y="31991250"/>
+            <a:ext cx="9306300" cy="1046700"/>
           </a:xfrm>
           <a:prstGeom prst="rect">
             <a:avLst/>
@@ -17030,6 +17030,285 @@
 </file>
 
 <file path=ppt/theme/theme1.xml><?xml version="1.0" encoding="utf-8"?>
+<a:theme xmlns:a="http://schemas.openxmlformats.org/drawingml/2006/main" xmlns:r="http://schemas.openxmlformats.org/officeDocument/2006/relationships">
+  <a:themeElements>
+    <a:clrScheme name="Default">
+      <a:dk1>
+        <a:srgbClr val="000000"/>
+      </a:dk1>
+      <a:lt1>
+        <a:srgbClr val="FFFFFF"/>
+      </a:lt1>
+      <a:dk2>
+        <a:srgbClr val="158158"/>
+      </a:dk2>
+      <a:lt2>
+        <a:srgbClr val="F3F3F3"/>
+      </a:lt2>
+      <a:accent1>
+        <a:srgbClr val="058DC7"/>
+      </a:accent1>
+      <a:accent2>
+        <a:srgbClr val="50B432"/>
+      </a:accent2>
+      <a:accent3>
+        <a:srgbClr val="ED561B"/>
+      </a:accent3>
+      <a:accent4>
+        <a:srgbClr val="EDEF00"/>
+      </a:accent4>
+      <a:accent5>
+        <a:srgbClr val="24CBE5"/>
+      </a:accent5>
+      <a:accent6>
+        <a:srgbClr val="64E572"/>
+      </a:accent6>
+      <a:hlink>
+        <a:srgbClr val="2200CC"/>
+      </a:hlink>
+      <a:folHlink>
+        <a:srgbClr val="551A8B"/>
+      </a:folHlink>
+    </a:clrScheme>
+    <a:fontScheme name="Office">
+      <a:majorFont>
+        <a:latin typeface="Arial"/>
+        <a:ea typeface=""/>
+        <a:cs typeface=""/>
+        <a:font script="Jpan" typeface="ＭＳ Ｐゴシック"/>
+        <a:font script="Hang" typeface="맑은 고딕"/>
+        <a:font script="Hans" typeface="宋体"/>
+        <a:font script="Hant" typeface="新細明體"/>
+        <a:font script="Arab" typeface="Times New Roman"/>
+        <a:font script="Hebr" typeface="Times New Roman"/>
+        <a:font script="Thai" typeface="Angsana New"/>
+        <a:font script="Ethi" typeface="Nyala"/>
+        <a:font script="Beng" typeface="Vrinda"/>
+        <a:font script="Gujr" typeface="Shruti"/>
+        <a:font script="Khmr" typeface="MoolBoran"/>
+        <a:font script="Knda" typeface="Tunga"/>
+        <a:font script="Guru" typeface="Raavi"/>
+        <a:font script="Cans" typeface="Euphemia"/>
+        <a:font script="Cher" typeface="Plantagenet Cherokee"/>
+        <a:font script="Yiii" typeface="Microsoft Yi Baiti"/>
+        <a:font script="Tibt" typeface="Microsoft Himalaya"/>
+        <a:font script="Thaa" typeface="MV Boli"/>
+        <a:font script="Deva" typeface="Mangal"/>
+        <a:font script="Telu" typeface="Gautami"/>
+        <a:font script="Taml" typeface="Latha"/>
+        <a:font script="Syrc" typeface="Estrangelo Edessa"/>
+        <a:font script="Orya" typeface="Kalinga"/>
+        <a:font script="Mlym" typeface="Kartika"/>
+        <a:font script="Laoo" typeface="DokChampa"/>
+        <a:font script="Sinh" typeface="Iskoola Pota"/>
+        <a:font script="Mong" typeface="Mongolian Baiti"/>
+        <a:font script="Viet" typeface="Times New Roman"/>
+        <a:font script="Uigh" typeface="Microsoft Uighur"/>
+        <a:font script="Geor" typeface="Sylfaen"/>
+      </a:majorFont>
+      <a:minorFont>
+        <a:latin typeface="Arial"/>
+        <a:ea typeface=""/>
+        <a:cs typeface=""/>
+        <a:font script="Jpan" typeface="ＭＳ Ｐゴシック"/>
+        <a:font script="Hang" typeface="맑은 고딕"/>
+        <a:font script="Hans" typeface="宋体"/>
+        <a:font script="Hant" typeface="新細明體"/>
+        <a:font script="Arab" typeface="Arial"/>
+        <a:font script="Hebr" typeface="Arial"/>
+        <a:font script="Thai" typeface="Cordia New"/>
+        <a:font script="Ethi" typeface="Nyala"/>
+        <a:font script="Beng" typeface="Vrinda"/>
+        <a:font script="Gujr" typeface="Shruti"/>
+        <a:font script="Khmr" typeface="DaunPenh"/>
+        <a:font script="Knda" typeface="Tunga"/>
+        <a:font script="Guru" typeface="Raavi"/>
+        <a:font script="Cans" typeface="Euphemia"/>
+        <a:font script="Cher" typeface="Plantagenet Cherokee"/>
+        <a:font script="Yiii" typeface="Microsoft Yi Baiti"/>
+        <a:font script="Tibt" typeface="Microsoft Himalaya"/>
+        <a:font script="Thaa" typeface="MV Boli"/>
+        <a:font script="Deva" typeface="Mangal"/>
+        <a:font script="Telu" typeface="Gautami"/>
+        <a:font script="Taml" typeface="Latha"/>
+        <a:font script="Syrc" typeface="Estrangelo Edessa"/>
+        <a:font script="Orya" typeface="Kalinga"/>
+        <a:font script="Mlym" typeface="Kartika"/>
+        <a:font script="Laoo" typeface="DokChampa"/>
+        <a:font script="Sinh" typeface="Iskoola Pota"/>
+        <a:font script="Mong" typeface="Mongolian Baiti"/>
+        <a:font script="Viet" typeface="Arial"/>
+        <a:font script="Uigh" typeface="Microsoft Uighur"/>
+        <a:font script="Geor" typeface="Sylfaen"/>
+      </a:minorFont>
+    </a:fontScheme>
+    <a:fmtScheme name="Office">
+      <a:fillStyleLst>
+        <a:solidFill>
+          <a:schemeClr val="phClr"/>
+        </a:solidFill>
+        <a:gradFill rotWithShape="1">
+          <a:gsLst>
+            <a:gs pos="0">
+              <a:schemeClr val="phClr">
+                <a:tint val="50000"/>
+                <a:satMod val="300000"/>
+              </a:schemeClr>
+            </a:gs>
+            <a:gs pos="35000">
+              <a:schemeClr val="phClr">
+                <a:tint val="37000"/>
+                <a:satMod val="300000"/>
+              </a:schemeClr>
+            </a:gs>
+            <a:gs pos="100000">
+              <a:schemeClr val="phClr">
+                <a:tint val="15000"/>
+                <a:satMod val="350000"/>
+              </a:schemeClr>
+            </a:gs>
+          </a:gsLst>
+          <a:lin ang="16200000" scaled="1"/>
+        </a:gradFill>
+        <a:gradFill rotWithShape="1">
+          <a:gsLst>
+            <a:gs pos="0">
+              <a:schemeClr val="phClr">
+                <a:tint val="100000"/>
+                <a:shade val="100000"/>
+                <a:satMod val="130000"/>
+              </a:schemeClr>
+            </a:gs>
+            <a:gs pos="100000">
+              <a:schemeClr val="phClr">
+                <a:tint val="50000"/>
+                <a:shade val="100000"/>
+                <a:satMod val="350000"/>
+              </a:schemeClr>
+            </a:gs>
+          </a:gsLst>
+          <a:lin ang="16200000" scaled="0"/>
+        </a:gradFill>
+      </a:fillStyleLst>
+      <a:lnStyleLst>
+        <a:ln w="9525" cap="flat" cmpd="sng" algn="ctr">
+          <a:solidFill>
+            <a:schemeClr val="phClr">
+              <a:shade val="95000"/>
+              <a:satMod val="105000"/>
+            </a:schemeClr>
+          </a:solidFill>
+          <a:prstDash val="solid"/>
+        </a:ln>
+        <a:ln w="25400" cap="flat" cmpd="sng" algn="ctr">
+          <a:solidFill>
+            <a:schemeClr val="phClr"/>
+          </a:solidFill>
+          <a:prstDash val="solid"/>
+        </a:ln>
+        <a:ln w="38100" cap="flat" cmpd="sng" algn="ctr">
+          <a:solidFill>
+            <a:schemeClr val="phClr"/>
+          </a:solidFill>
+          <a:prstDash val="solid"/>
+        </a:ln>
+      </a:lnStyleLst>
+      <a:effectStyleLst>
+        <a:effectStyle>
+          <a:effectLst>
+            <a:outerShdw blurRad="40000" dist="20000" dir="5400000" rotWithShape="0">
+              <a:srgbClr val="000000">
+                <a:alpha val="38000"/>
+              </a:srgbClr>
+            </a:outerShdw>
+          </a:effectLst>
+        </a:effectStyle>
+        <a:effectStyle>
+          <a:effectLst>
+            <a:outerShdw blurRad="40000" dist="23000" dir="5400000" rotWithShape="0">
+              <a:srgbClr val="000000">
+                <a:alpha val="35000"/>
+              </a:srgbClr>
+            </a:outerShdw>
+          </a:effectLst>
+        </a:effectStyle>
+        <a:effectStyle>
+          <a:effectLst>
+            <a:outerShdw blurRad="40000" dist="23000" dir="5400000" rotWithShape="0">
+              <a:srgbClr val="000000">
+                <a:alpha val="35000"/>
+              </a:srgbClr>
+            </a:outerShdw>
+          </a:effectLst>
+          <a:scene3d>
+            <a:camera prst="orthographicFront">
+              <a:rot lat="0" lon="0" rev="0"/>
+            </a:camera>
+            <a:lightRig rig="threePt" dir="t">
+              <a:rot lat="0" lon="0" rev="1200000"/>
+            </a:lightRig>
+          </a:scene3d>
+          <a:sp3d>
+            <a:bevelT w="63500" h="25400"/>
+          </a:sp3d>
+        </a:effectStyle>
+      </a:effectStyleLst>
+      <a:bgFillStyleLst>
+        <a:solidFill>
+          <a:schemeClr val="phClr"/>
+        </a:solidFill>
+        <a:gradFill rotWithShape="1">
+          <a:gsLst>
+            <a:gs pos="0">
+              <a:schemeClr val="phClr">
+                <a:tint val="40000"/>
+                <a:satMod val="350000"/>
+              </a:schemeClr>
+            </a:gs>
+            <a:gs pos="40000">
+              <a:schemeClr val="phClr">
+                <a:tint val="45000"/>
+                <a:shade val="99000"/>
+                <a:satMod val="350000"/>
+              </a:schemeClr>
+            </a:gs>
+            <a:gs pos="100000">
+              <a:schemeClr val="phClr">
+                <a:shade val="20000"/>
+                <a:satMod val="255000"/>
+              </a:schemeClr>
+            </a:gs>
+          </a:gsLst>
+          <a:path path="circle">
+            <a:fillToRect l="50000" t="-80000" r="50000" b="180000"/>
+          </a:path>
+        </a:gradFill>
+        <a:gradFill rotWithShape="1">
+          <a:gsLst>
+            <a:gs pos="0">
+              <a:schemeClr val="phClr">
+                <a:tint val="80000"/>
+                <a:satMod val="300000"/>
+              </a:schemeClr>
+            </a:gs>
+            <a:gs pos="100000">
+              <a:schemeClr val="phClr">
+                <a:shade val="30000"/>
+                <a:satMod val="200000"/>
+              </a:schemeClr>
+            </a:gs>
+          </a:gsLst>
+          <a:path path="circle">
+            <a:fillToRect l="50000" t="50000" r="50000" b="50000"/>
+          </a:path>
+        </a:gradFill>
+      </a:bgFillStyleLst>
+    </a:fmtScheme>
+  </a:themeElements>
+</a:theme>
+</file>
+
+<file path=ppt/theme/theme2.xml><?xml version="1.0" encoding="utf-8"?>
 <a:theme xmlns:a="http://schemas.openxmlformats.org/drawingml/2006/main" xmlns:r="http://schemas.openxmlformats.org/officeDocument/2006/relationships" name="Office Theme">
   <a:themeElements>
     <a:clrScheme name="Office Theme">
@@ -17306,283 +17585,4 @@
     </a:fmtScheme>
   </a:themeElements>
 </a:theme>
-</file>
-
-<file path=ppt/theme/theme2.xml><?xml version="1.0" encoding="utf-8"?>
-<a:theme xmlns:a="http://schemas.openxmlformats.org/drawingml/2006/main" xmlns:r="http://schemas.openxmlformats.org/officeDocument/2006/relationships">
-  <a:themeElements>
-    <a:clrScheme name="Default">
-      <a:dk1>
-        <a:srgbClr val="000000"/>
-      </a:dk1>
-      <a:lt1>
-        <a:srgbClr val="FFFFFF"/>
-      </a:lt1>
-      <a:dk2>
-        <a:srgbClr val="158158"/>
-      </a:dk2>
-      <a:lt2>
-        <a:srgbClr val="F3F3F3"/>
-      </a:lt2>
-      <a:accent1>
-        <a:srgbClr val="058DC7"/>
-      </a:accent1>
-      <a:accent2>
-        <a:srgbClr val="50B432"/>
-      </a:accent2>
-      <a:accent3>
-        <a:srgbClr val="ED561B"/>
-      </a:accent3>
-      <a:accent4>
-        <a:srgbClr val="EDEF00"/>
-      </a:accent4>
-      <a:accent5>
-        <a:srgbClr val="24CBE5"/>
-      </a:accent5>
-      <a:accent6>
-        <a:srgbClr val="64E572"/>
-      </a:accent6>
-      <a:hlink>
-        <a:srgbClr val="2200CC"/>
-      </a:hlink>
-      <a:folHlink>
-        <a:srgbClr val="551A8B"/>
-      </a:folHlink>
-    </a:clrScheme>
-    <a:fontScheme name="Office">
-      <a:majorFont>
-        <a:latin typeface="Arial"/>
-        <a:ea typeface=""/>
-        <a:cs typeface=""/>
-        <a:font script="Jpan" typeface="ＭＳ Ｐゴシック"/>
-        <a:font script="Hang" typeface="맑은 고딕"/>
-        <a:font script="Hans" typeface="宋体"/>
-        <a:font script="Hant" typeface="新細明體"/>
-        <a:font script="Arab" typeface="Times New Roman"/>
-        <a:font script="Hebr" typeface="Times New Roman"/>
-        <a:font script="Thai" typeface="Angsana New"/>
-        <a:font script="Ethi" typeface="Nyala"/>
-        <a:font script="Beng" typeface="Vrinda"/>
-        <a:font script="Gujr" typeface="Shruti"/>
-        <a:font script="Khmr" typeface="MoolBoran"/>
-        <a:font script="Knda" typeface="Tunga"/>
-        <a:font script="Guru" typeface="Raavi"/>
-        <a:font script="Cans" typeface="Euphemia"/>
-        <a:font script="Cher" typeface="Plantagenet Cherokee"/>
-        <a:font script="Yiii" typeface="Microsoft Yi Baiti"/>
-        <a:font script="Tibt" typeface="Microsoft Himalaya"/>
-        <a:font script="Thaa" typeface="MV Boli"/>
-        <a:font script="Deva" typeface="Mangal"/>
-        <a:font script="Telu" typeface="Gautami"/>
-        <a:font script="Taml" typeface="Latha"/>
-        <a:font script="Syrc" typeface="Estrangelo Edessa"/>
-        <a:font script="Orya" typeface="Kalinga"/>
-        <a:font script="Mlym" typeface="Kartika"/>
-        <a:font script="Laoo" typeface="DokChampa"/>
-        <a:font script="Sinh" typeface="Iskoola Pota"/>
-        <a:font script="Mong" typeface="Mongolian Baiti"/>
-        <a:font script="Viet" typeface="Times New Roman"/>
-        <a:font script="Uigh" typeface="Microsoft Uighur"/>
-        <a:font script="Geor" typeface="Sylfaen"/>
-      </a:majorFont>
-      <a:minorFont>
-        <a:latin typeface="Arial"/>
-        <a:ea typeface=""/>
-        <a:cs typeface=""/>
-        <a:font script="Jpan" typeface="ＭＳ Ｐゴシック"/>
-        <a:font script="Hang" typeface="맑은 고딕"/>
-        <a:font script="Hans" typeface="宋体"/>
-        <a:font script="Hant" typeface="新細明體"/>
-        <a:font script="Arab" typeface="Arial"/>
-        <a:font script="Hebr" typeface="Arial"/>
-        <a:font script="Thai" typeface="Cordia New"/>
-        <a:font script="Ethi" typeface="Nyala"/>
-        <a:font script="Beng" typeface="Vrinda"/>
-        <a:font script="Gujr" typeface="Shruti"/>
-        <a:font script="Khmr" typeface="DaunPenh"/>
-        <a:font script="Knda" typeface="Tunga"/>
-        <a:font script="Guru" typeface="Raavi"/>
-        <a:font script="Cans" typeface="Euphemia"/>
-        <a:font script="Cher" typeface="Plantagenet Cherokee"/>
-        <a:font script="Yiii" typeface="Microsoft Yi Baiti"/>
-        <a:font script="Tibt" typeface="Microsoft Himalaya"/>
-        <a:font script="Thaa" typeface="MV Boli"/>
-        <a:font script="Deva" typeface="Mangal"/>
-        <a:font script="Telu" typeface="Gautami"/>
-        <a:font script="Taml" typeface="Latha"/>
-        <a:font script="Syrc" typeface="Estrangelo Edessa"/>
-        <a:font script="Orya" typeface="Kalinga"/>
-        <a:font script="Mlym" typeface="Kartika"/>
-        <a:font script="Laoo" typeface="DokChampa"/>
-        <a:font script="Sinh" typeface="Iskoola Pota"/>
-        <a:font script="Mong" typeface="Mongolian Baiti"/>
-        <a:font script="Viet" typeface="Arial"/>
-        <a:font script="Uigh" typeface="Microsoft Uighur"/>
-        <a:font script="Geor" typeface="Sylfaen"/>
-      </a:minorFont>
-    </a:fontScheme>
-    <a:fmtScheme name="Office">
-      <a:fillStyleLst>
-        <a:solidFill>
-          <a:schemeClr val="phClr"/>
-        </a:solidFill>
-        <a:gradFill rotWithShape="1">
-          <a:gsLst>
-            <a:gs pos="0">
-              <a:schemeClr val="phClr">
-                <a:tint val="50000"/>
-                <a:satMod val="300000"/>
-              </a:schemeClr>
-            </a:gs>
-            <a:gs pos="35000">
-              <a:schemeClr val="phClr">
-                <a:tint val="37000"/>
-                <a:satMod val="300000"/>
-              </a:schemeClr>
-            </a:gs>
-            <a:gs pos="100000">
-              <a:schemeClr val="phClr">
-                <a:tint val="15000"/>
-                <a:satMod val="350000"/>
-              </a:schemeClr>
-            </a:gs>
-          </a:gsLst>
-          <a:lin ang="16200000" scaled="1"/>
-        </a:gradFill>
-        <a:gradFill rotWithShape="1">
-          <a:gsLst>
-            <a:gs pos="0">
-              <a:schemeClr val="phClr">
-                <a:tint val="100000"/>
-                <a:shade val="100000"/>
-                <a:satMod val="130000"/>
-              </a:schemeClr>
-            </a:gs>
-            <a:gs pos="100000">
-              <a:schemeClr val="phClr">
-                <a:tint val="50000"/>
-                <a:shade val="100000"/>
-                <a:satMod val="350000"/>
-              </a:schemeClr>
-            </a:gs>
-          </a:gsLst>
-          <a:lin ang="16200000" scaled="0"/>
-        </a:gradFill>
-      </a:fillStyleLst>
-      <a:lnStyleLst>
-        <a:ln w="9525" cap="flat" cmpd="sng" algn="ctr">
-          <a:solidFill>
-            <a:schemeClr val="phClr">
-              <a:shade val="95000"/>
-              <a:satMod val="105000"/>
-            </a:schemeClr>
-          </a:solidFill>
-          <a:prstDash val="solid"/>
-        </a:ln>
-        <a:ln w="25400" cap="flat" cmpd="sng" algn="ctr">
-          <a:solidFill>
-            <a:schemeClr val="phClr"/>
-          </a:solidFill>
-          <a:prstDash val="solid"/>
-        </a:ln>
-        <a:ln w="38100" cap="flat" cmpd="sng" algn="ctr">
-          <a:solidFill>
-            <a:schemeClr val="phClr"/>
-          </a:solidFill>
-          <a:prstDash val="solid"/>
-        </a:ln>
-      </a:lnStyleLst>
-      <a:effectStyleLst>
-        <a:effectStyle>
-          <a:effectLst>
-            <a:outerShdw blurRad="40000" dist="20000" dir="5400000" rotWithShape="0">
-              <a:srgbClr val="000000">
-                <a:alpha val="38000"/>
-              </a:srgbClr>
-            </a:outerShdw>
-          </a:effectLst>
-        </a:effectStyle>
-        <a:effectStyle>
-          <a:effectLst>
-            <a:outerShdw blurRad="40000" dist="23000" dir="5400000" rotWithShape="0">
-              <a:srgbClr val="000000">
-                <a:alpha val="35000"/>
-              </a:srgbClr>
-            </a:outerShdw>
-          </a:effectLst>
-        </a:effectStyle>
-        <a:effectStyle>
-          <a:effectLst>
-            <a:outerShdw blurRad="40000" dist="23000" dir="5400000" rotWithShape="0">
-              <a:srgbClr val="000000">
-                <a:alpha val="35000"/>
-              </a:srgbClr>
-            </a:outerShdw>
-          </a:effectLst>
-          <a:scene3d>
-            <a:camera prst="orthographicFront">
-              <a:rot lat="0" lon="0" rev="0"/>
-            </a:camera>
-            <a:lightRig rig="threePt" dir="t">
-              <a:rot lat="0" lon="0" rev="1200000"/>
-            </a:lightRig>
-          </a:scene3d>
-          <a:sp3d>
-            <a:bevelT w="63500" h="25400"/>
-          </a:sp3d>
-        </a:effectStyle>
-      </a:effectStyleLst>
-      <a:bgFillStyleLst>
-        <a:solidFill>
-          <a:schemeClr val="phClr"/>
-        </a:solidFill>
-        <a:gradFill rotWithShape="1">
-          <a:gsLst>
-            <a:gs pos="0">
-              <a:schemeClr val="phClr">
-                <a:tint val="40000"/>
-                <a:satMod val="350000"/>
-              </a:schemeClr>
-            </a:gs>
-            <a:gs pos="40000">
-              <a:schemeClr val="phClr">
-                <a:tint val="45000"/>
-                <a:shade val="99000"/>
-                <a:satMod val="350000"/>
-              </a:schemeClr>
-            </a:gs>
-            <a:gs pos="100000">
-              <a:schemeClr val="phClr">
-                <a:shade val="20000"/>
-                <a:satMod val="255000"/>
-              </a:schemeClr>
-            </a:gs>
-          </a:gsLst>
-          <a:path path="circle">
-            <a:fillToRect l="50000" t="-80000" r="50000" b="180000"/>
-          </a:path>
-        </a:gradFill>
-        <a:gradFill rotWithShape="1">
-          <a:gsLst>
-            <a:gs pos="0">
-              <a:schemeClr val="phClr">
-                <a:tint val="80000"/>
-                <a:satMod val="300000"/>
-              </a:schemeClr>
-            </a:gs>
-            <a:gs pos="100000">
-              <a:schemeClr val="phClr">
-                <a:shade val="30000"/>
-                <a:satMod val="200000"/>
-              </a:schemeClr>
-            </a:gs>
-          </a:gsLst>
-          <a:path path="circle">
-            <a:fillToRect l="50000" t="50000" r="50000" b="50000"/>
-          </a:path>
-        </a:gradFill>
-      </a:bgFillStyleLst>
-    </a:fmtScheme>
-  </a:themeElements>
-</a:theme>
 </file>